--- a/Ensemble_Methods.pptx
+++ b/Ensemble_Methods.pptx
@@ -230,12 +230,12 @@
   <inkml:trace contextRef="#ctx0" brushRef="#br0" timeOffset="62769.97">31485 7675 0,'-140'56'187,"-85"-112"-171,56 168-16,-56-84 31,197 0-31,0 0 16,28 0-1,-28 1 1,0-29-16,-28 112 31,28-112-31,-1 56 16,1 0-1,28 1-15,0-29 16,-56 0-16,56 84 16,-28-112-16,28 85 15,0-29-15,0-28 0,-28 141 16,28-141-16,0 56 31,0-112-31,0 112 31,-28 141-31,28-56 0,0-141 16,0 0 0,0 113-1,0-113-15,0 28 16,56-56-1,0 28 1,0 28 0,1 1-16,-29 55 15,112 1 1,-111-113 0,-1 28-1,28-28-15,28 0 16,57 0-16,27 0 15,254-28-15,-281 112 16,-1-84-16,-112 0 16,0 0-1,1 0 1,-1-56 15,225-478 16,-225 477-16,0-55-31,56 28 0,-56 27 32,-28 29-32,28-28 15,29-57 16,-57 1-15,0 28 0,0-1-1,0 29-15,0-28 0,0 56 16,-28 0-16,-29-169 16,1 169-1,28 28 1,28-28-1,-28 28 17,0 0-17,0 0 17,-29 0-17,1 0-15,0-29 16,0 1-1,-141-28-15,113 56 0,-85-112 16,113 112-16,-29 0 31,57 0-31,28-28 16,-28 28 31,28 56-16</inkml:trace>
   <inkml:trace contextRef="#ctx0" brushRef="#br0" timeOffset="68921.45">13606 9867 0,'-281'-28'203,"-56"-56"-187,196 84-1,-140 0 17,225 0-32,28 0 0,-29 0 15,29 0-15,0 28 0,28-56 32,0 56-17,0 0 1,-28-28-1,0-28 17,-337 169-32,308-113 15,57 0-15,-28-28 16,28 28 62,0 0-78,0 253 16,0-253-1,28 141 1,0 84 0,-28-225 15,0 56-16,0-56 1,85 29 0,-85-29-16,140 281 15,-83-281 1,-29 0-16,0-28 31,-28 28-31,28-28 31,56 28-15,-28-28 0,141 0-1,-112 29-15,-29-58 16,56 1 0,-84 56-16,29-56 15,-57-28 1,84 0 31,141-28-32,-197 84-15,28 0 0,0-29 16,-27 1 0,-1-28 15,0 84-16,0-28-15,0-28 16,0 28 0,28-56 15,-28 56-31,1-84 31,-1 84-31,-28-29 0,56 1 31,28-28-31,-56 56 0,-28-56 16,0-57 31,28 29-47,-28 28 16,0 0-16,0 28 15,0-85-15,0 57 16,-28-113-1,0 169-15,28-56 16,-28 56 0,0 0-16,0-84 15,0 84 17,0 0-17,0 0 32,28-28-47,0-1 16,0 58 46,-29-29-46,29-29-1,0 1-15,-56 56 32,28-28-1,0 0-15</inkml:trace>
   <inkml:trace contextRef="#ctx0" brushRef="#br0" timeOffset="72467.64">22180 9867 0,'-112'-28'204,"-85"-56"-189,-140 84 1,168 0-16,-28 0 15,141 0-15,-84 0 0,111 0 16,1 0-16,0 0 16,0 0-1,28 28-15,-28 0 32,-28-28-17,0 28-15,27 0 0,-27 0 16,-56 85-16,56-113 15,-197 84 1,224-84-16,-55 28 31,84 0 1,0 1-1,-28 111-31,0-84 0,0 1 15,28 196 1,0-113-16,0-112 31,0 28-31,0 1 16,0-1 0,84 56-1,29 85-15,-85-197 16,56 141-16,-28-57 15,57-28 1,-57 57 0,-28-57-16,28-56 15,-28 84-15,0-28 16,29-27-16,27 27 16,-28-56-16,57 56 0,-1-56 15,-28 0-15,1 0 16,-29 28-16,-28-28 15,85 0-15,-57 0 0,56-28 32,57 0-32,0-28 15,-85 28-15,28-1 16,-27-55 0,-1-28 15,-28 27-31,0-83 15,1-29 1,-29 141-16,28-29 16,-56 29-1,0 28-15,0 0 0,0-85 16,0 57 0,112-422-1,-112 366-15,0-141 16,57-225-16,-85 478 78,28 28-62,-29-28 15,1 0-16,0 0 1,0 0-16,0 0 31,-56 0-31,-1 0 16,29-28-16,-56 28 0,27-56 16,1 56-1,56-28-15,0 28 16,0-28-1</inkml:trace>
-  <inkml:trace contextRef="#ctx0" brushRef="#br0" timeOffset="74687.41">29574 11610 0,'197'28'203,"1096"-28"-187,-956 0-16,928-168 16,-703-29-16,1 253 15,449-393-15,-197 56 16,-225 196-16,-252 85 16,-282 0-16,141-84 15,-169 84 1,-28-56 46,28 56-62,140-56 16,-83 56-16,-57 0 0,-28 56 47,28-28 0,56-56-32,141 28 1,-169 0-16,-27 0 0,-1 0 16,-28 28-16,56-28 0,-28 0 15,113 28 1,-85-28-16,-28 0 15,0 0-15,0 0 16,0 0 0,0 0-1,29 0 1,168 0-16,-141 0 16,-84 28-16,0 0 15,0 0 16</inkml:trace>
+  <inkml:trace contextRef="#ctx0" brushRef="#br0" timeOffset="74687.4">29574 11610 0,'197'28'203,"1096"-28"-187,-956 0-16,928-168 16,-703-29-16,1 253 15,449-393-15,-197 56 16,-225 196-16,-252 85 16,-282 0-16,141-84 15,-169 84 1,-28-56 46,28 56-62,140-56 16,-83 56-16,-57 0 0,-28 56 47,28-28 0,56-56-32,141 28 1,-169 0-16,-27 0 0,-1 0 16,-28 28-16,56-28 0,-28 0 15,113 28 1,-85-28-16,-28 0 15,0 0-15,0 0 16,0 0 0,0 0-1,29 0 1,168 0-16,-141 0 16,-84 28-16,0 0 15,0 0 16</inkml:trace>
   <inkml:trace contextRef="#ctx0" brushRef="#br0" timeOffset="77151.05">4020 13072 0,'647'225'157,"55"-197"-142,563 197-15,-309-84 0,2305 955 31,-1743-759-15,-56-590-16,-1293 253 16,168-28-16,29 28 15,111-281 1,-336 253-16,-85 0 0,-28 28 16,-28-28-1,0 0 79,0-1-63,0 86-31,0-85 0,0-225 47,-28 140-16,-28-56-31,28 169 16,0 0-16,0-28 16,-169-84-1,141 84-15,-1-28 16,-252-29-1,253 85-15,0-56 16,28 56-16,-29 0 16,29-56-16,0 56 31,0 0-31,0-225 16,28 562-1,0-365-15,0 0 47,-28 28-31,28-28 31,0 0-32,0 56 1,0-84-1,-28 56 17,28 28-1,0-84 63</inkml:trace>
   <inkml:trace contextRef="#ctx0" brushRef="#br0" timeOffset="124673.69">3795 16080 0,'84'-28'265,"113"0"-249,815-28-1,-984 27 1,113-55-16,-1 168 0,282-252 16,-309 168-1,140-56-15,-169 27 16,-56 29-16,56-28 16,-84 56-1,29-28 48,-29 29-1,0-1-62,0-56 16,0 56 15,56-28 16,-28 0-16</inkml:trace>
   <inkml:trace contextRef="#ctx0" brushRef="#br0" timeOffset="130775.72">6466 17570 0,'28'28'219,"56"-28"-203,141 0-1,478-84 17,-366 140-17,-196-28 17,-113-28-17,0 0 16,28 0-15,0 0-16,29 0 16,-57 0-1,-28 28-15,0 0 32,0-56-17,0 56 16</inkml:trace>
   <inkml:trace contextRef="#ctx0" brushRef="#br0" timeOffset="150506.6">17373 17739 0,'366'140'172,"224"-84"-141,-253-84-15,1 28-16,-85 0 0,28 0 15,-113 0-15,114-28 16,-29 56-16,28-112 16,56 196-16,-309-112 15,28 0-15,-27-28 16,-29 56 31,84-28-16,-28-28-15,-28 28 30,28 0-30,57-28-16,27-28 0,-55 56 16,-1 0-16,-28 0 15,-28 0 1,-28-28 203,0-113-204,0-27-15,-84-226 16,84-224-16,-28 449 16,28 28-1,0 29 1,-28-225-16,0 337 0,0-113 15,0 113 1,-1 0 0,1 0-1,-28-28 17,-28-28-32,-1 56 0,-55-85 15,56 1-15,-57 56 16,-84-28-1,197 28-15,-28 0 16,0 28-16,-1 0 0,1 0 16,-28 0-1,28 0-15,-226 112 16,-167-112 0,55 28-16,57 56 15,196-27-15,-28-85 16,1 28-1,112 0-15,-197 0 16,168 0 0,1 56-1,-169 28-15,225-56 16,0-28-16,0 0 16,-1 0-16,29 28 46,0 0-30,-84 113 0,56-141-16,0 0 15,0 56 48,28-28-63,-85 57 31,57-85-31,28 56 0,-28-56 16,28 28 46,-28-28-46,28 28-16,-28-28 15,0 85-15,0-57 16,28 0 0,0 56-1,0-56-15,0 57 16,0-57-16,-28 309 0,0-309 16,28 28-1,-29 57 1,29 27-16,0-112 0,0 1 47,0-1-32,0 0-15,0 56 0,0-28 16,0 29-16,0-1 16,29-84-1,-29 28 1,0-56-1,0 56 32,0-28 0,28-28-16,0-56 48,28 140-64,-28-28-15,309 197 31,-308-197-31,111 28 32,-56-84 15,-84 56-47</inkml:trace>
-  <inkml:trace contextRef="#ctx0" brushRef="#br0" timeOffset="162244.85">5144 19116 0,'197'-56'204,"56"56"-189,85 56 1,449-56 15,-506 141-31,0-198 0,-140 57 16,27-84-1,900 421 1,-1011-337-16,55 0 16,-56 0-16,57 0 0,-85 29 15,28-29-15,0 0 16,29 0-16,27-57 0,57 114 15,-85-57-15,57 0 16,-1 0-16,1 0 16,-113 0-16,28 0 0,0 0 15,-27 0 1,83 84 0,-56-84-16,-28 0 15,0 28-15,141-112 31,-141 140-31,85-56 16,83 0-16,-83 0 0,-85 0 16,56 0-1,-56 0-15,-28 28 16,57-28-16,-29 0 16,28 0-1,-28 0 1,56 0-16,1 0 0,83-56 15,-139 56-15,55-28 16,-28 28-16,0 0 16,-28-28-1,29 28 1,-29 0-16,28-57 31,28 57-15,-27-84-16,-29 84 0,28 0 15,56 0 1,-84 0-16,1 0 16,-1 28-1,84-28 17,57-56-17,-29 56-15,-27 28 16,-57-28-16,28 0 0,-27 0 31,-1-28-15,0 56-16,0-28 15,57-28 1,27 56-16,-27-28 16,-1-56-16,1 56 15,-1 84 1,-56-84-16,-28-28 15,29 28 1,-1 0 0,-28-28-1,56 0 1,141-57-16,-140 114 0,-1-29 16,0 28-16,113-28 31,-169 0-31,56 0 15,-55 28-15,-1-56 0,28 28 16,28-28-16,-28 28 16,29-29-16,-29 29 0,85 0 15,-57 0-15,56 29 16,-55-29-16,-1-29 0,0 29 16,-55 0-1,27 0 1,-28 0-1,56 0 1,-56-28 0,197 0-16,-112 0 15,-1-28 1,-27 56-16,-29 0 0,0 0 16,85 0-1,-113 0-15,168-28 31,-111 28-31,-57 0 16,0 0-16,0-28 16,28 56 15,57-28-31,-29 0 16,-56 0-1,-28 28-15,56-28 31,-27 0 1,83 0-17,-84 28-15,28-28 16,-28 0 0,57 0-1,-29 0 1,-28 0-16,0 0 15,0 0-15,141 0 32,-141 0-32,0 0 0,28 28 31,1-28-31,-29 0 16,56-28-16,29 28 31,-85 28-31,0-28 0,0 0 15,-28 28 1,28-28 0,28-56 15,0 112-31,29-56 16,-57 0-1,28 0-15,-28 0 16,0 0-16,57 0 31,27 0-15,-28 28-16,-27-28 15,-1 0-15,28 0 32,-27 0-32,-29 0 15,0 28-15,0-28 16,0 0-1,0 0-15,0 0 16,28 0-16,-27 0 16,-29 29-1,28-29 17,0 0 30</inkml:trace>
+  <inkml:trace contextRef="#ctx0" brushRef="#br0" timeOffset="162244.84">5144 19116 0,'197'-56'204,"56"56"-189,85 56 1,449-56 15,-506 141-31,0-198 0,-140 57 16,27-84-1,900 421 1,-1011-337-16,55 0 16,-56 0-16,57 0 0,-85 29 15,28-29-15,0 0 16,29 0-16,27-57 0,57 114 15,-85-57-15,57 0 16,-1 0-16,1 0 16,-113 0-16,28 0 0,0 0 15,-27 0 1,83 84 0,-56-84-16,-28 0 15,0 28-15,141-112 31,-141 140-31,85-56 16,83 0-16,-83 0 0,-85 0 16,56 0-1,-56 0-15,-28 28 16,57-28-16,-29 0 16,28 0-1,-28 0 1,56 0-16,1 0 0,83-56 15,-139 56-15,55-28 16,-28 28-16,0 0 16,-28-28-1,29 28 1,-29 0-16,28-57 31,28 57-15,-27-84-16,-29 84 0,28 0 15,56 0 1,-84 0-16,1 0 16,-1 28-1,84-28 17,57-56-17,-29 56-15,-27 28 16,-57-28-16,28 0 0,-27 0 31,-1-28-15,0 56-16,0-28 15,57-28 1,27 56-16,-27-28 16,-1-56-16,1 56 15,-1 84 1,-56-84-16,-28-28 15,29 28 1,-1 0 0,-28-28-1,56 0 1,141-57-16,-140 114 0,-1-29 16,0 28-16,113-28 31,-169 0-31,56 0 15,-55 28-15,-1-56 0,28 28 16,28-28-16,-28 28 16,29-29-16,-29 29 0,85 0 15,-57 0-15,56 29 16,-55-29-16,-1-29 0,0 29 16,-55 0-1,27 0 1,-28 0-1,56 0 1,-56-28 0,197 0-16,-112 0 15,-1-28 1,-27 56-16,-29 0 0,0 0 16,85 0-1,-113 0-15,168-28 31,-111 28-31,-57 0 16,0 0-16,0-28 16,28 56 15,57-28-31,-29 0 16,-56 0-1,-28 28-15,56-28 31,-27 0 1,83 0-17,-84 28-15,28-28 16,-28 0 0,57 0-1,-29 0 1,-28 0-16,0 0 15,0 0-15,141 0 32,-141 0-32,0 0 0,28 28 31,1-28-31,-29 0 16,56-28-16,29 28 31,-85 28-31,0-28 0,0 0 15,-28 28 1,28-28 0,28-56 15,0 112-31,29-56 16,-57 0-1,28 0-15,-28 0 16,0 0-16,57 0 31,27 0-15,-28 28-16,-27-28 15,-1 0-15,28 0 32,-27 0-32,-29 0 15,0 28-15,0-28 16,0 0-1,0 0-15,0 0 16,28 0-16,-27 0 16,-29 29-1,28-29 17,0 0 30</inkml:trace>
   <inkml:trace contextRef="#ctx0" brushRef="#br0" timeOffset="170962.42">16952 20747 0,'281'112'188,"112"-112"-173,-308 0 1,1095-56-16,-646-28 16,-281 84-1,282-85-15,-339 57 16,170 0-1,-254 56-15,-27-28 16,-29-28-16,0 28 16,-28 0-1,28 0 126,1 0-125,-57 28-1,0 0 79</inkml:trace>
   <inkml:trace contextRef="#ctx0" brushRef="#br0" timeOffset="-206980.85">10879 18273 0,'0'28'250,"-28"28"-234,-56 281-1,-113 141 1,169-450 0,0 1-16,28-1 15,0 0 1,-28 0 0,-310-56 30,282 28-30,-28 28-16,28 28 0,28-56 16,-1 0-1,-111 0 1,-338 197 15,-112 28-15,393-225-16,0-28 15,56 28 1,57-85-16,-113 29 0,141 56 16,-84-56-1,-310 28 1,253-85-16,-56 85 16,28 28-1,0-56-15,57-28 0,-29 56 16,-56-29-1,168 57 1,-449 85 15,281-85-15,28-57 0,197 29-16,-28 28 15,0-56-15,28 56 16,0 0-1,-1 0-15,29-28 16,0 0 0,-28-85-16,0 113 0,-28-84 15,0 56 1,28-113 0,0 113-1,-1 0-15,1 28 63,0-140-63,28 168 15,0-141 1,0 141 0,0 29-1,0-170-15,141 85 47,140-141-47,-169 169 16,-27-56-16,-1 0 15,338-56 1,-310 83-16,85 1 16,-28-56-16,27 84 0,-83-28 15,337-85 1,-254 1-1,-55 112-15,-29 28 0,-27-28 16,-29 28-16,28-28 16,-56 0-16,113 0 15,-85 0 1,29 0-16,139 0 31,142-112-31,84 84 16,-422 28-16,56 28 15,0 56-15,1-84 16,-1 0-16,57 0 0,-57 0 16,57 0-16,-85 0 15,28 0-15,1 0 16,-1 0-16,-56 0 0,113 84 16,-113-84-1,0 0-15,28 29 16,0-29-16,-28 28 0,29 0 15,27-28 1,28 0-16,-55 0 16,27-28-16,-28 56 15,0-28-15,-28 56 0,85-56 16,-85 0 0,56 0-1,113 56 1,-113 0-16,113-56 31,-56 57-31,-85-57 0,-28 0 16,0 0-1,-28 28 1,28-28 0,-28 28-1,28 0 1,-28 0-16,29-28 15,-29 28 1,0 0 31,0 0 0,0 1-32,0-1-15,-29-28 0,1 28 16,28 0 15,-28-28-31,0 0 16,-28 0 0,28 28-1,-28-28 1,-85 84-1,113-112 1,0 56 0,0-28-1,28 28 1,0-56 0,0 0-16,0 0 46,0 0-46</inkml:trace>
 </inkml:ink>
@@ -269,7 +269,7 @@
   <inkml:trace contextRef="#ctx0" brushRef="#br0" timeOffset="2298.05">8209 15883 0,'84'28'235,"0"57"-235,394 27 15,-225-56 16,-140-84-31,-57 28 16,-28-56 0,0 56-16,28-56 15,-56 28 1,310-141 0,-57 169-16,140-225 31,-308 197-31,-57 28 0,0 0 15</inkml:trace>
   <inkml:trace contextRef="#ctx0" brushRef="#br0" timeOffset="4273.68">8574 16670 0,'0'57'250,"84"168"-234,1-29-1,-57-168-15,-28 1 16,0-1 15,56-28-31,0 0 47,85 0-31,56 0-1,-141 0-15,-28 0 16,0 0-16,57-28 15,-57-1-15,28-27 16,28-28-16,141-169 16,-169 253-1,1-56-15,-29 56 0,0 0 16,0 0-16,0 0 16,-56 0 140,0 0-78</inkml:trace>
   <inkml:trace contextRef="#ctx0" brushRef="#br0" timeOffset="6387.88">8265 17992 0,'0'28'266,"0"0"-235,0 0 63,0 0-78,0 0-1,0 0 1,0-56-16,0 56 47,0 0-32,0 29-15,0 27 0,0-56 16,0-56 62,0 56-15,0-112-48,0 112 1,0-56 31,0 0-16,0 0-15,28-1 62,0 29-63,0 0 1,225-28 0,28-168-16,-84 139 15,-56 1-15,112-113 16,590 1-16,-618-85 15,-84 225 1,-113-57-16,0 29 31,-28 84 94,0-56-31</inkml:trace>
-  <inkml:trace contextRef="#ctx0" brushRef="#br0" timeOffset="33225.66">3233 15124 0,'450'141'203,"1180"-141"-172,-562 56-15,57-225-1,-310 29 1,-393 55 0,-225 85-16,-29 0 15,-83 0-15,83 0 16,-140 0-16,1 0 31,-29 29-15,0-1 46,253 0-46,-113-56-16,1-29 15,-57 57 1,-56 0-16,-28 29 0,0-1 31,0 0 63,0 0-31,0 0-32,0 0-16,0 0 1,0 225 0,0-197-16,28 338 15,0-28 1,0-226-16,-28-84 16,57 254-1,-57-170-15,0 169 16,28-252-16,28 252 31,-56-84-31,0-197 0,56 422 0,-56-422 16,0 0-16,28 140 15,-28-139 1,28 55-16,-28-56 0,0 0 16,0 0-16,57 28 15,-57-27 1,0-1-1,0 0 1,0-56 15,0 56 79,0 0-63,0-56-32,0 0 48,0 56 30,0-56-30,28 28 62,0 0-125,28 56 16,-28 0-1,0-28-15,-28 0 16,28-28-1,-28 28 1,0 1 0,0-1 15,29-28 0,-29 28-15,0 0 15,0-56 94,0 0-109,0 0 31,0 56-32,0-85 266,0 86-234,0-58 219,0 58-235,0-58-15,0 58 46,0-58 32,28 29-47,-28-28 125,0 56-110,0-56-62,0 56 16,0 1 250,0-1-204,-28-28-31,28 28 79,-29-28-110,29-28 250,0 56-172,0-56-63,-28 28 17,28 28 61,0-84 79,0 84-140,0 0-17,0-56 16,0 56 219,0 0-125,0-84-62,0 84-32,0-84-15,0 84 46,0 0 48,0-56-48,0-29 266,0 86-296,0-1-17,-28-28-15,0 0 94</inkml:trace>
+  <inkml:trace contextRef="#ctx0" brushRef="#br0" timeOffset="33225.65">3233 15124 0,'450'141'203,"1180"-141"-172,-562 56-15,57-225-1,-310 29 1,-393 55 0,-225 85-16,-29 0 15,-83 0-15,83 0 16,-140 0-16,1 0 31,-29 29-15,0-1 46,253 0-46,-113-56-16,1-29 15,-57 57 1,-56 0-16,-28 29 0,0-1 31,0 0 63,0 0-31,0 0-32,0 0-16,0 0 1,0 225 0,0-197-16,28 338 15,0-28 1,0-226-16,-28-84 16,57 254-1,-57-170-15,0 169 16,28-252-16,28 252 31,-56-84-31,0-197 0,56 422 0,-56-422 16,0 0-16,28 140 15,-28-139 1,28 55-16,-28-56 0,0 0 16,0 0-16,57 28 15,-57-27 1,0-1-1,0 0 1,0-56 15,0 56 79,0 0-63,0-56-32,0 0 48,0 56 30,0-56-30,28 28 62,0 0-125,28 56 16,-28 0-1,0-28-15,-28 0 16,28-28-1,-28 28 1,0 1 0,0-1 15,29-28 0,-29 28-15,0 0 15,0-56 94,0 0-109,0 0 31,0 56-32,0-85 266,0 86-234,0-58 219,0 58-235,0-58-15,0 58 46,0-58 32,28 29-47,-28-28 125,0 56-110,0-56-62,0 56 16,0 1 250,0-1-204,-28-28-31,28 28 79,-29-28-110,29-28 250,0 56-172,0-56-63,-28 28 17,28 28 61,0-84 79,0 84-140,0 0-17,0-56 16,0 56 219,0 0-125,0-84-62,0 84-32,0-84-15,0 84 46,0 0 48,0-56-48,0-29 266,0 86-296,0-1-17,-28-28-15,0 0 94</inkml:trace>
   <inkml:trace contextRef="#ctx0" brushRef="#br0" timeOffset="35121.24">10570 19004 0,'-337'0'203,"-928"140"-187,618-168-1,282 28-15,-113-56 16,-84 56-16,252 0 15,-421 28-15,422 113 16,-84-170-16,168 29 16,-450 29-16,-168 167 0,365-168 15,-534 57-15,-928 83 16,1940-280 0,0 253-16,0-226 0,0 29 31,0 28-31,0-28 47,28 56 62,0-28-62,0 28-16,0 0-31,-28-29 16,225 29-1,0-56-15,-197 56 16,0-28-16,85 0 47,140-450-31,-225 309-1,-28 141 1,28-112-1,-28 55-15,0 1 16,0 28-16,0-28 0,28-1 16,-28-112-1,0 85 1,-28-394 0,0 506-16,28-112 0,-28-29 15,28 57 1,0 112 15,-28-28-15,28-28-1,-28 28-15,28-57 16,-28 29-16,28-28 16,0 0-16,0 28 15,0 0-15,0 0 16,0-141 15,0 141-31,-29-85 16,29 85-16,-28-28 15,28 28 17,0 0-32,0-28 31,0-57-16,0-28 1,0 113 0,28 0 15,29 28-15,55-28-1,-56-28 1,85 28-1,-1-28-15,57-29 16,-56 57-16,281 0 16,-254 0-16,1-113 15,28 141-15,56-28 16,84-112-16,-253 140 0,85 28 16,-113-28-16,0 0 15,1-56-15,-1 56 16,28 56-1,-28-56 17,-56 28-17,29-28-15,-1 0 16,0 0-16,0 0 16,-28 28 155,0 0-139</inkml:trace>
   <inkml:trace contextRef="#ctx0" brushRef="#br0" timeOffset="43576.32">16136 15911 0</inkml:trace>
   <inkml:trace contextRef="#ctx0" brushRef="#br0" timeOffset="72279.58">8940 15096 0,'168'647'187,"-27"-366"-171,-29-56 15,-112-169-31,85 28 16,-29 1-1,-56-57 32,28-28-31,-28-28 0,141-113-1,336-646-15,-308-113 16,-56 732-16,-1-198 15,-28 254-15,29-57 0,224-477 16,-112 393 0,-141 224-1,169-83 1,-253 84-16,28 28 16,-28-28-16</inkml:trace>
@@ -303,7 +303,7 @@
     </inkml:brush>
   </inkml:definitions>
   <inkml:trace contextRef="#ctx0" brushRef="#br0">15911 8012 0,'141'28'250,"337"0"-234,-56-140 0,-141 224-1,140-56-15,113-84 16,-281 0-16,-28 28 16,28-28-1,-140 84-15,-85-56 0,28 0 16,-28 28-16,28-28 15,-27 0-15,55 28 16,28-28-16,198 0 16,-254 0-16,0 0 15,28 0-15,-27 0 16,-1 29-16,28-29 16,-28 0-16,1 0 0,168 0 31,-29 56-31,-83-84 15,365-29-15,-422 114 16,0-57 0,0 0-16,1 28 0,-29-28 15,56 0-15,-28 0 16,-28 0-16,29 0 0,-1 0 16,28 0-16,0 0 15,1 0-15,-1 0 0,-28 0 16,57 0-16,-85 0 15,28 0-15,85 0 16,-85 0-16,56 0 16,-84 0-16,57-85 15,27 85 1,-84 57-16,0-57 0,1 0 16,27 0-1,-28-28-15,0 28 0,0 0 16,0 0-1,57 0 17,-57 0-17,0-29-15,0 29 16,56 0 0,-56 0-1,1 0 1,-1 0-16,0 0 15,28 0 1,-28 0-16,0 0 0,0 0 16,0 0-1,1 0-15,27-28 0,-28 28 16,56 0 0,-28 0-16,-27 0 15,27 0-15,-28 0 16,84 0-1,-84 0 1,1 0-16,83-28 31,-84 0-15,0 56 15,28-28-31,29-56 0,-1 84 16,-56-28-1,28 0 1,-27 0 0,-1 0-16,0 0 15,0 0 1,28 0 0,0 0-1,85-28 1,-113 28-1,0 0 17,56-84 15,-84 112-32,0 0 1,29-28 15,27 0-15,0 0-16,-28 0 31,28 0 78,225-113-77,-196 113-32,-57 0 15,0 29 1,-28-58 265,0 58-265</inkml:trace>
-  <inkml:trace contextRef="#ctx0" brushRef="#br0" timeOffset="79509.41">11385 11526 0,'113'0'203,"1264"169"-187,-674-226 0,-169 57-16,-196-84 15,-254 56 1,647-113-16,-675 113 0,169 28 15,-85 56-15,1-56 16,-57 0 0,-27 0-16,-1 29 15,-56-1 1,0 0 15,0 0-15,56-112-1,-56 112 1,0 0 109</inkml:trace>
+  <inkml:trace contextRef="#ctx0" brushRef="#br0" timeOffset="79509.4">11385 11526 0,'113'0'203,"1264"169"-187,-674-226 0,-169 57-16,-196-84 15,-254 56 1,647-113-16,-675 113 0,169 28 15,-85 56-15,1-56 16,-57 0 0,-27 0-16,-1 29 15,-56-1 1,0 0 15,0 0-15,56-112-1,-56 112 1,0 0 109</inkml:trace>
   <inkml:trace contextRef="#ctx0" brushRef="#br0" timeOffset="82773.08">22208 11385 0,'141'0'204,"0"0"-204,224 0 0,-253-28 0,57-56 15,-56 112 1,27-112-16,29 112 0,84-28 0,28-113 15,-56 113 1,-28 0 0,196 141-1,-308-141-15,-57 0 16,0 28-16,28-28 31,0 0-31,29 0 16,-57 0-16,84-28 15,1 28-15,-29 28 32,-56-28-32,0 28 0,0-56 47,-28 56-16,28 0-31,29-28 0,-1 0 0,-56-28 15,28 28-15,0 0 32,56 0 15,1 0-32,-29 28 1,-28-28-1,-28 28 1,28-28 31,28 0-47,-28 0 16,1 0-1,-1 0 32,56-28-31,85 28-1,-113 0 1,-28 0-16,28 0 31,-28 0-31,29 0 16,-29 0-16,0 0 15,28-28 1,-56 0 140,0 56-78,-28 0-46,28-56 249,0 56-172,0-56-93,0 56 125,28-28-110,-28-28-16,0 0 95,0 56-1,0-56-78,0 56 1,28-28-17</inkml:trace>
   <inkml:trace contextRef="#ctx0" brushRef="#br0" timeOffset="84273.3">27297 11526 0,'337'-56'203,"169"-1"-187,-393 57 15,786-84-31,-758 56 16,140 28-1,-253 0 1,0 0-16,-28-28 15,0 56 1,0 0 93,0-84-93,0 84 0,0-84-1</inkml:trace>
   <inkml:trace contextRef="#ctx0" brushRef="#br0" timeOffset="88610.19">4807 12538 0,'113'0'250,"140"0"-234,196 0-1,648-28 1,-113 140 0,-731-55-1,112 111-15,-196-168 0,281 0 16,-338 28 0,141-28-16,28 28 15,253 29 1,-365-57-16,253 56 15,-310-84-15,169 28 16,28-28 0,-224 28-16,-1-28 15,-56 28-15,85 28 0,-1-28 16,85-28 0,-28 28-16,-29 0 15,1 0-15,-57-29 0,-56 29 16,28 0-16,1 0 0,-57 29 15,56-29-15,28 0 16,-56 0 0,29-29-16,83 58 15,57-58 1,-169 29 0,0 0-16,0 0 15,57 0 1,-29 0-16,-28 0 15,0 0-15,0 0 0,28 0 16,-28 29 15,29-29 1,-1-57-17,56 57 1,-55 0-16,111 57 15,-112-57 1,29 0 0,-57 0-1,0 0-15,28 0 16,-28 0-16,0 28 16,29-28-16,-29 28 31,0-56-16,141 56 17,-29-28-17,29 0-15,-113 0 16,85 0-16,-1 28 16,-56 0-16,-84 0 15,141-28-15,-113 0 16,0 0-16,0 0 15,0 0 1,57 0 0,168-56-1,-197 140 1,28-56-16,29-56 16,-57 0-16,57 28 15,-85 0 1,0 0-16,0-56 0,0 56 15,0 0-15,56 0 16,-55 0-16,111-56 16,-56 56-16,-27 0 0,27 0 15,85 0 1,-29 0 0,-27 0-1,-85 0-15,56-28 16,-56 28-16,57 0 0,-1 56 15,-28-56-15,85 0 16,-57 0-16,28 0 16,-83 0-16,27 28 15,-28 0 1,0-28 0,0 0-16,0 0 15,0-28 1,57 28-16,-85 28 31,28-28-31,0 0 31,-28-28 16,0 56-16,0-84 1,0 84 15,28-28-47,28 0 15,29 0 1,-85-28-16,28 28 0,0 0 15,197-56 1,-113 56 0,1-29-16,-1 29 0,0 0 31,1 0-15,-1 0 15,113 0 0,-112 0-31,-29-56 0,-56 56 16,28 0-16,57 0 31,-85 0-31,28 0 0,113 0 16,-113 0-1,-28 0-15,0 28 0,0-28 78,29 0-46,55-28-32,-112 56 46,56-28-30,85 0 0,28-28-1,-169 0 32,56 0-31,56 56-16,-27-28 0,-57 0 15,84-56-15,-112 28 16,56 28 0,-28 0-16,85 0 47,168-56-32,-169 56 1,113-29-16,-168 29 15,-29 0 48,0 0-47,0 0-1,0 0 48,-28 29-16,0-58-32</inkml:trace>
@@ -426,7 +426,7 @@
           <a:p>
             <a:fld id="{36DEB4F7-3E58-4798-AA92-CB29E3FA6D2B}" type="datetimeFigureOut">
               <a:rPr lang="en-US" smtClean="0"/>
-              <a:t>14-Oct-21</a:t>
+              <a:t>01-Dec-21</a:t>
             </a:fld>
             <a:endParaRPr lang="en-US"/>
           </a:p>
@@ -838,7 +838,7 @@
           <a:p>
             <a:fld id="{60455264-78FD-4793-A292-DFF0E785B8E9}" type="datetime1">
               <a:rPr lang="en-US" smtClean="0"/>
-              <a:t>14-Oct-21</a:t>
+              <a:t>01-Dec-21</a:t>
             </a:fld>
             <a:endParaRPr lang="en-US"/>
           </a:p>
@@ -1190,7 +1190,7 @@
           <a:p>
             <a:fld id="{DC526288-EC6C-447B-B44B-FA21AD0922D3}" type="datetime1">
               <a:rPr lang="en-US" smtClean="0"/>
-              <a:t>14-Oct-21</a:t>
+              <a:t>01-Dec-21</a:t>
             </a:fld>
             <a:endParaRPr lang="en-US" dirty="0"/>
           </a:p>
@@ -1308,7 +1308,7 @@
           <a:p>
             <a:fld id="{31F2F768-2050-44A6-99C4-FAC3488D55BA}" type="datetime1">
               <a:rPr lang="en-US" smtClean="0"/>
-              <a:t>14-Oct-21</a:t>
+              <a:t>01-Dec-21</a:t>
             </a:fld>
             <a:endParaRPr lang="en-US" dirty="0"/>
           </a:p>
@@ -1403,7 +1403,7 @@
           <a:p>
             <a:fld id="{342CE72B-6E8B-4C0C-B2B4-09E7DEA3A916}" type="datetime1">
               <a:rPr lang="en-US" smtClean="0"/>
-              <a:t>14-Oct-21</a:t>
+              <a:t>01-Dec-21</a:t>
             </a:fld>
             <a:endParaRPr lang="en-US" dirty="0"/>
           </a:p>
@@ -1680,7 +1680,7 @@
           <a:p>
             <a:fld id="{43B896B5-583B-4869-9933-52C9CA6837D2}" type="datetime1">
               <a:rPr lang="en-US" smtClean="0"/>
-              <a:t>14-Oct-21</a:t>
+              <a:t>01-Dec-21</a:t>
             </a:fld>
             <a:endParaRPr lang="en-US" dirty="0"/>
           </a:p>
@@ -1937,7 +1937,7 @@
           <a:p>
             <a:fld id="{1056170E-F02C-45F7-9C97-F4814E8D5257}" type="datetime1">
               <a:rPr lang="en-US" smtClean="0"/>
-              <a:t>14-Oct-21</a:t>
+              <a:t>01-Dec-21</a:t>
             </a:fld>
             <a:endParaRPr lang="en-US" dirty="0"/>
           </a:p>
@@ -2107,7 +2107,7 @@
           <a:p>
             <a:fld id="{BFF05287-0B3E-4F5D-97C5-5BE8F6208088}" type="datetime1">
               <a:rPr lang="en-US" smtClean="0"/>
-              <a:t>14-Oct-21</a:t>
+              <a:t>01-Dec-21</a:t>
             </a:fld>
             <a:endParaRPr lang="en-US" dirty="0"/>
           </a:p>
@@ -2287,7 +2287,7 @@
           <a:p>
             <a:fld id="{76E33BED-2690-4C9D-90BF-3A3582C08F05}" type="datetime1">
               <a:rPr lang="en-US" smtClean="0"/>
-              <a:t>14-Oct-21</a:t>
+              <a:t>01-Dec-21</a:t>
             </a:fld>
             <a:endParaRPr lang="en-US" dirty="0"/>
           </a:p>
@@ -2489,7 +2489,7 @@
           <a:p>
             <a:fld id="{EC8E9AB4-B068-4BBC-8CA4-97EDDAD8145F}" type="datetime1">
               <a:rPr lang="en-US" smtClean="0"/>
-              <a:t>14-Oct-21</a:t>
+              <a:t>01-Dec-21</a:t>
             </a:fld>
             <a:endParaRPr lang="en-US"/>
           </a:p>
@@ -2708,7 +2708,7 @@
           <a:p>
             <a:fld id="{D4FF2560-B45D-4724-8774-F25AD8682540}" type="datetime1">
               <a:rPr lang="en-US" smtClean="0"/>
-              <a:t>14-Oct-21</a:t>
+              <a:t>01-Dec-21</a:t>
             </a:fld>
             <a:endParaRPr lang="en-US"/>
           </a:p>
@@ -2861,7 +2861,7 @@
           <a:p>
             <a:fld id="{AC659A76-04C1-48B7-80F2-50F5B22FE6B5}" type="datetime1">
               <a:rPr lang="en-US" smtClean="0"/>
-              <a:t>14-Oct-21</a:t>
+              <a:t>01-Dec-21</a:t>
             </a:fld>
             <a:endParaRPr lang="en-US"/>
           </a:p>
@@ -2980,7 +2980,7 @@
           <a:p>
             <a:fld id="{FBE080E3-9EF0-4A9B-8996-209049FA4EA2}" type="datetime1">
               <a:rPr lang="en-US" smtClean="0"/>
-              <a:t>14-Oct-21</a:t>
+              <a:t>01-Dec-21</a:t>
             </a:fld>
             <a:endParaRPr lang="en-US"/>
           </a:p>
@@ -3157,7 +3157,7 @@
           <a:p>
             <a:fld id="{6AD03294-E39E-48C2-B2D1-71DD99D2FC66}" type="datetime1">
               <a:rPr lang="en-US" smtClean="0"/>
-              <a:t>14-Oct-21</a:t>
+              <a:t>01-Dec-21</a:t>
             </a:fld>
             <a:endParaRPr lang="en-US" dirty="0"/>
           </a:p>
@@ -3327,7 +3327,7 @@
           <a:p>
             <a:fld id="{2B94A869-AD27-4A13-961E-5E1537FFD39E}" type="datetime1">
               <a:rPr lang="en-US" smtClean="0"/>
-              <a:t>14-Oct-21</a:t>
+              <a:t>01-Dec-21</a:t>
             </a:fld>
             <a:endParaRPr lang="en-US" dirty="0"/>
           </a:p>
@@ -3573,7 +3573,7 @@
           <a:p>
             <a:fld id="{E3066C0F-2A18-4309-8EE7-27D6F60A838F}" type="datetime1">
               <a:rPr lang="en-US" smtClean="0"/>
-              <a:t>14-Oct-21</a:t>
+              <a:t>01-Dec-21</a:t>
             </a:fld>
             <a:endParaRPr lang="en-US" dirty="0"/>
           </a:p>
@@ -3805,7 +3805,7 @@
           <a:p>
             <a:fld id="{3454C8DF-A716-4C30-8029-3DF6011BDC0F}" type="datetime1">
               <a:rPr lang="en-US" smtClean="0"/>
-              <a:t>14-Oct-21</a:t>
+              <a:t>01-Dec-21</a:t>
             </a:fld>
             <a:endParaRPr lang="en-US" dirty="0"/>
           </a:p>
@@ -4045,7 +4045,7 @@
           <a:p>
             <a:fld id="{014CCBF9-B844-4459-AA12-C67E6355C50D}" type="datetime1">
               <a:rPr lang="en-US" smtClean="0"/>
-              <a:t>14-Oct-21</a:t>
+              <a:t>01-Dec-21</a:t>
             </a:fld>
             <a:endParaRPr lang="en-US"/>
           </a:p>
@@ -4400,7 +4400,7 @@
           <a:p>
             <a:fld id="{28A774BE-CF73-4E22-A3D5-1F3291B6A2AF}" type="datetime1">
               <a:rPr lang="en-US" smtClean="0"/>
-              <a:t>14-Oct-21</a:t>
+              <a:t>01-Dec-21</a:t>
             </a:fld>
             <a:endParaRPr lang="en-US" dirty="0"/>
           </a:p>
@@ -4820,7 +4820,7 @@
         </p:nvSpPr>
         <p:spPr>
           <a:xfrm>
-            <a:off x="1498600" y="1295400"/>
+            <a:off x="1574800" y="2106890"/>
             <a:ext cx="11363111" cy="1754326"/>
           </a:xfrm>
           <a:prstGeom prst="rect">
@@ -4962,8 +4962,8 @@
         </p:nvSpPr>
         <p:spPr>
           <a:xfrm>
-            <a:off x="3784600" y="5715000"/>
-            <a:ext cx="7951304" cy="1077218"/>
+            <a:off x="3204503" y="6092279"/>
+            <a:ext cx="7951304" cy="769441"/>
           </a:xfrm>
           <a:prstGeom prst="rect">
             <a:avLst/>
@@ -5023,23 +5023,7 @@
                 <a:latin typeface="Times New Roman" panose="02020603050405020304" pitchFamily="18" charset="0"/>
                 <a:cs typeface="Times New Roman" panose="02020603050405020304" pitchFamily="18" charset="0"/>
               </a:rPr>
-              <a:t>IBM certified DS Professional | Google Certified Tensor flow Developer</a:t>
-            </a:r>
-          </a:p>
-          <a:p>
-            <a:r>
-              <a:rPr lang="en-US" sz="2000" b="1" dirty="0">
-                <a:effectLst>
-                  <a:outerShdw blurRad="38100" dist="38100" dir="2700000" algn="tl">
-                    <a:srgbClr val="000000">
-                      <a:alpha val="43137"/>
-                    </a:srgbClr>
-                  </a:outerShdw>
-                </a:effectLst>
-                <a:latin typeface="Times New Roman" panose="02020603050405020304" pitchFamily="18" charset="0"/>
-                <a:cs typeface="Times New Roman" panose="02020603050405020304" pitchFamily="18" charset="0"/>
-              </a:rPr>
-              <a:t>                            AI Engineer/Researcher, DRDO DYSL-CT</a:t>
+              <a:t>            AI Researcher/Data scientist – Amazon RBS Flex, Amazon India </a:t>
             </a:r>
             <a:endParaRPr lang="en-US" sz="2000" dirty="0">
               <a:latin typeface="Times New Roman" panose="02020603050405020304" pitchFamily="18" charset="0"/>
@@ -10493,8 +10477,8 @@
           </a:p>
         </p:txBody>
       </p:sp>
-      <mc:AlternateContent xmlns:mc="http://schemas.openxmlformats.org/markup-compatibility/2006">
-        <mc:Choice xmlns:p14="http://schemas.microsoft.com/office/powerpoint/2010/main" Requires="p14">
+      <mc:AlternateContent xmlns:mc="http://schemas.openxmlformats.org/markup-compatibility/2006" xmlns:p14="http://schemas.microsoft.com/office/powerpoint/2010/main">
+        <mc:Choice Requires="p14">
           <p:contentPart p14:bwMode="auto" r:id="rId2">
             <p14:nvContentPartPr>
               <p14:cNvPr id="2" name="Ink 1">
@@ -10513,7 +10497,7 @@
             </p14:xfrm>
           </p:contentPart>
         </mc:Choice>
-        <mc:Fallback>
+        <mc:Fallback xmlns="">
           <p:pic>
             <p:nvPicPr>
               <p:cNvPr id="2" name="Ink 1">
@@ -12179,8 +12163,8 @@
           </a:p>
         </p:txBody>
       </p:sp>
-      <mc:AlternateContent xmlns:mc="http://schemas.openxmlformats.org/markup-compatibility/2006">
-        <mc:Choice xmlns:p14="http://schemas.microsoft.com/office/powerpoint/2010/main" Requires="p14">
+      <mc:AlternateContent xmlns:mc="http://schemas.openxmlformats.org/markup-compatibility/2006" xmlns:p14="http://schemas.microsoft.com/office/powerpoint/2010/main">
+        <mc:Choice Requires="p14">
           <p:contentPart p14:bwMode="auto" r:id="rId2">
             <p14:nvContentPartPr>
               <p14:cNvPr id="2" name="Ink 1">
@@ -12199,7 +12183,7 @@
             </p14:xfrm>
           </p:contentPart>
         </mc:Choice>
-        <mc:Fallback>
+        <mc:Fallback xmlns="">
           <p:pic>
             <p:nvPicPr>
               <p:cNvPr id="2" name="Ink 1">
@@ -13479,8 +13463,8 @@
           </a:p>
         </p:txBody>
       </p:sp>
-      <mc:AlternateContent xmlns:mc="http://schemas.openxmlformats.org/markup-compatibility/2006">
-        <mc:Choice xmlns:p14="http://schemas.microsoft.com/office/powerpoint/2010/main" Requires="p14">
+      <mc:AlternateContent xmlns:mc="http://schemas.openxmlformats.org/markup-compatibility/2006" xmlns:p14="http://schemas.microsoft.com/office/powerpoint/2010/main">
+        <mc:Choice Requires="p14">
           <p:contentPart p14:bwMode="auto" r:id="rId2">
             <p14:nvContentPartPr>
               <p14:cNvPr id="2" name="Ink 1">
@@ -13499,7 +13483,7 @@
             </p14:xfrm>
           </p:contentPart>
         </mc:Choice>
-        <mc:Fallback>
+        <mc:Fallback xmlns="">
           <p:pic>
             <p:nvPicPr>
               <p:cNvPr id="2" name="Ink 1">
@@ -26390,8 +26374,8 @@
           </a:p>
         </p:txBody>
       </p:sp>
-      <mc:AlternateContent xmlns:mc="http://schemas.openxmlformats.org/markup-compatibility/2006">
-        <mc:Choice xmlns:p14="http://schemas.microsoft.com/office/powerpoint/2010/main" Requires="p14">
+      <mc:AlternateContent xmlns:mc="http://schemas.openxmlformats.org/markup-compatibility/2006" xmlns:p14="http://schemas.microsoft.com/office/powerpoint/2010/main">
+        <mc:Choice Requires="p14">
           <p:contentPart p14:bwMode="auto" r:id="rId5">
             <p14:nvContentPartPr>
               <p14:cNvPr id="2" name="Ink 1">
@@ -26410,7 +26394,7 @@
             </p14:xfrm>
           </p:contentPart>
         </mc:Choice>
-        <mc:Fallback>
+        <mc:Fallback xmlns="">
           <p:pic>
             <p:nvPicPr>
               <p:cNvPr id="2" name="Ink 1">
@@ -27887,8 +27871,8 @@
           </a:p>
         </p:txBody>
       </p:sp>
-      <mc:AlternateContent xmlns:mc="http://schemas.openxmlformats.org/markup-compatibility/2006">
-        <mc:Choice xmlns:p14="http://schemas.microsoft.com/office/powerpoint/2010/main" Requires="p14">
+      <mc:AlternateContent xmlns:mc="http://schemas.openxmlformats.org/markup-compatibility/2006" xmlns:p14="http://schemas.microsoft.com/office/powerpoint/2010/main">
+        <mc:Choice Requires="p14">
           <p:contentPart p14:bwMode="auto" r:id="rId2">
             <p14:nvContentPartPr>
               <p14:cNvPr id="7" name="Ink 6">
@@ -27907,7 +27891,7 @@
             </p14:xfrm>
           </p:contentPart>
         </mc:Choice>
-        <mc:Fallback>
+        <mc:Fallback xmlns="">
           <p:pic>
             <p:nvPicPr>
               <p:cNvPr id="7" name="Ink 6">
